--- a/Meta 1/Apresentação.pptx
+++ b/Meta 1/Apresentação.pptx
@@ -34275,7 +34275,23 @@
                   <a:schemeClr val="tx1"/>
                 </a:solidFill>
               </a:rPr>
-              <a:t>PL5 / Prof. João de Campos </a:t>
+              <a:t>PL5 / Prof. </a:t>
+            </a:r>
+            <a:r>
+              <a:rPr lang="pt-PT" sz="1600">
+                <a:solidFill>
+                  <a:schemeClr val="tx1"/>
+                </a:solidFill>
+              </a:rPr>
+              <a:t>Doutor </a:t>
+            </a:r>
+            <a:r>
+              <a:rPr lang="pt-PT" sz="1600" dirty="0">
+                <a:solidFill>
+                  <a:schemeClr val="tx1"/>
+                </a:solidFill>
+              </a:rPr>
+              <a:t>João de Campos </a:t>
             </a:r>
             <a:r>
               <a:rPr lang="pt-PT" sz="1600" b="0" i="0" dirty="0">
@@ -36658,36 +36674,6 @@
           <a:chExt cx="0" cy="0"/>
         </a:xfrm>
       </p:grpSpPr>
-      <p:pic>
-        <p:nvPicPr>
-          <p:cNvPr id="9" name="Picture 8">
-            <a:extLst>
-              <a:ext uri="{FF2B5EF4-FFF2-40B4-BE49-F238E27FC236}">
-                <a16:creationId xmlns:a16="http://schemas.microsoft.com/office/drawing/2014/main" id="{45AB42CD-A4CD-404D-BBCE-D05A460A08F0}"/>
-              </a:ext>
-            </a:extLst>
-          </p:cNvPr>
-          <p:cNvPicPr>
-            <a:picLocks noChangeAspect="1"/>
-          </p:cNvPicPr>
-          <p:nvPr/>
-        </p:nvPicPr>
-        <p:blipFill>
-          <a:blip r:embed="rId4"/>
-          <a:stretch>
-            <a:fillRect/>
-          </a:stretch>
-        </p:blipFill>
-        <p:spPr>
-          <a:xfrm>
-            <a:off x="1074199" y="969013"/>
-            <a:ext cx="6303700" cy="5711728"/>
-          </a:xfrm>
-          <a:prstGeom prst="rect">
-            <a:avLst/>
-          </a:prstGeom>
-        </p:spPr>
-      </p:pic>
       <p:sp>
         <p:nvSpPr>
           <p:cNvPr id="10" name="CaixaDeTexto 3">
@@ -36750,8 +36736,8 @@
         </p:nvSpPr>
         <p:spPr>
           <a:xfrm>
-            <a:off x="7983510" y="3824877"/>
-            <a:ext cx="2314588" cy="1285737"/>
+            <a:off x="2996998" y="5888986"/>
+            <a:ext cx="5878406" cy="392159"/>
           </a:xfrm>
           <a:prstGeom prst="rect">
             <a:avLst/>
@@ -36764,16 +36750,28 @@
           </a:bodyPr>
           <a:lstStyle/>
           <a:p>
-            <a:pPr marL="285750" indent="-285750">
+            <a:pPr algn="ctr">
               <a:lnSpc>
                 <a:spcPct val="115000"/>
               </a:lnSpc>
               <a:spcAft>
                 <a:spcPts val="1000"/>
               </a:spcAft>
-              <a:buFont typeface="Arial" panose="020B0604020202020204" pitchFamily="34" charset="0"/>
-              <a:buChar char="•"/>
             </a:pPr>
+            <a:r>
+              <a:rPr lang="pt-PT" sz="1800" dirty="0">
+                <a:solidFill>
+                  <a:schemeClr val="bg2">
+                    <a:lumMod val="50000"/>
+                  </a:schemeClr>
+                </a:solidFill>
+                <a:effectLst/>
+                <a:latin typeface="Calibri" panose="020F0502020204030204" pitchFamily="34" charset="0"/>
+                <a:ea typeface="Times New Roman" panose="02020603050405020304" pitchFamily="18" charset="0"/>
+                <a:cs typeface="Times New Roman" panose="02020603050405020304" pitchFamily="18" charset="0"/>
+              </a:rPr>
+              <a:t>Grupo</a:t>
+            </a:r>
             <a:r>
               <a:rPr lang="pt-PT" sz="1800" dirty="0">
                 <a:solidFill>
@@ -36784,26 +36782,37 @@
                 <a:ea typeface="Times New Roman" panose="02020603050405020304" pitchFamily="18" charset="0"/>
                 <a:cs typeface="Times New Roman" panose="02020603050405020304" pitchFamily="18" charset="0"/>
               </a:rPr>
-              <a:t>Gonçalo Almeida</a:t>
+              <a:t> </a:t>
             </a:r>
-            <a:endParaRPr lang="en-US" sz="1800" dirty="0">
-              <a:effectLst/>
-              <a:latin typeface="Calibri" panose="020F0502020204030204" pitchFamily="34" charset="0"/>
-              <a:ea typeface="Times New Roman" panose="02020603050405020304" pitchFamily="18" charset="0"/>
-              <a:cs typeface="Times New Roman" panose="02020603050405020304" pitchFamily="18" charset="0"/>
-            </a:endParaRPr>
-          </a:p>
-          <a:p>
-            <a:pPr marL="285750" indent="-285750">
-              <a:lnSpc>
-                <a:spcPct val="115000"/>
-              </a:lnSpc>
-              <a:spcAft>
-                <a:spcPts val="1000"/>
-              </a:spcAft>
-              <a:buFont typeface="Arial" panose="020B0604020202020204" pitchFamily="34" charset="0"/>
-              <a:buChar char="•"/>
-            </a:pPr>
+            <a:r>
+              <a:rPr lang="pt-PT" sz="1800" dirty="0">
+                <a:effectLst/>
+                <a:latin typeface="Calibri" panose="020F0502020204030204" pitchFamily="34" charset="0"/>
+                <a:ea typeface="Times New Roman" panose="02020603050405020304" pitchFamily="18" charset="0"/>
+                <a:cs typeface="Times New Roman" panose="02020603050405020304" pitchFamily="18" charset="0"/>
+              </a:rPr>
+              <a:t>-</a:t>
+            </a:r>
+            <a:r>
+              <a:rPr lang="pt-PT" sz="1800" dirty="0">
+                <a:solidFill>
+                  <a:srgbClr val="ED7D31"/>
+                </a:solidFill>
+                <a:effectLst/>
+                <a:latin typeface="Calibri" panose="020F0502020204030204" pitchFamily="34" charset="0"/>
+                <a:ea typeface="Times New Roman" panose="02020603050405020304" pitchFamily="18" charset="0"/>
+                <a:cs typeface="Times New Roman" panose="02020603050405020304" pitchFamily="18" charset="0"/>
+              </a:rPr>
+              <a:t> Gonçalo Almeida </a:t>
+            </a:r>
+            <a:r>
+              <a:rPr lang="en-US" dirty="0">
+                <a:latin typeface="Calibri" panose="020F0502020204030204" pitchFamily="34" charset="0"/>
+                <a:ea typeface="Times New Roman" panose="02020603050405020304" pitchFamily="18" charset="0"/>
+                <a:cs typeface="Times New Roman" panose="02020603050405020304" pitchFamily="18" charset="0"/>
+              </a:rPr>
+              <a:t> -  </a:t>
+            </a:r>
             <a:r>
               <a:rPr lang="pt-PT" sz="1800" dirty="0">
                 <a:solidFill>
@@ -36814,26 +36823,29 @@
                 <a:ea typeface="Times New Roman" panose="02020603050405020304" pitchFamily="18" charset="0"/>
                 <a:cs typeface="Times New Roman" panose="02020603050405020304" pitchFamily="18" charset="0"/>
               </a:rPr>
-              <a:t>Guilherme Branco </a:t>
+              <a:t>Guilherme Branco  </a:t>
             </a:r>
-            <a:endParaRPr lang="en-US" sz="1800" dirty="0">
-              <a:effectLst/>
-              <a:latin typeface="Calibri" panose="020F0502020204030204" pitchFamily="34" charset="0"/>
-              <a:ea typeface="Times New Roman" panose="02020603050405020304" pitchFamily="18" charset="0"/>
-              <a:cs typeface="Times New Roman" panose="02020603050405020304" pitchFamily="18" charset="0"/>
-            </a:endParaRPr>
-          </a:p>
-          <a:p>
-            <a:pPr marL="285750" indent="-285750">
-              <a:lnSpc>
-                <a:spcPct val="115000"/>
-              </a:lnSpc>
-              <a:spcAft>
-                <a:spcPts val="1000"/>
-              </a:spcAft>
-              <a:buFont typeface="Arial" panose="020B0604020202020204" pitchFamily="34" charset="0"/>
-              <a:buChar char="•"/>
-            </a:pPr>
+            <a:r>
+              <a:rPr lang="pt-PT" sz="1800" dirty="0">
+                <a:effectLst/>
+                <a:latin typeface="Calibri" panose="020F0502020204030204" pitchFamily="34" charset="0"/>
+                <a:ea typeface="Times New Roman" panose="02020603050405020304" pitchFamily="18" charset="0"/>
+                <a:cs typeface="Times New Roman" panose="02020603050405020304" pitchFamily="18" charset="0"/>
+              </a:rPr>
+              <a:t>-</a:t>
+            </a:r>
+            <a:r>
+              <a:rPr lang="pt-PT" sz="1800" dirty="0">
+                <a:solidFill>
+                  <a:srgbClr val="70AD47"/>
+                </a:solidFill>
+                <a:effectLst/>
+                <a:latin typeface="Calibri" panose="020F0502020204030204" pitchFamily="34" charset="0"/>
+                <a:ea typeface="Times New Roman" panose="02020603050405020304" pitchFamily="18" charset="0"/>
+                <a:cs typeface="Times New Roman" panose="02020603050405020304" pitchFamily="18" charset="0"/>
+              </a:rPr>
+              <a:t>  </a:t>
+            </a:r>
             <a:r>
               <a:rPr lang="pt-PT" sz="1800" dirty="0">
                 <a:solidFill>
@@ -36855,6 +36867,36 @@
           </a:p>
         </p:txBody>
       </p:sp>
+      <p:pic>
+        <p:nvPicPr>
+          <p:cNvPr id="3" name="Picture 2">
+            <a:extLst>
+              <a:ext uri="{FF2B5EF4-FFF2-40B4-BE49-F238E27FC236}">
+                <a16:creationId xmlns:a16="http://schemas.microsoft.com/office/drawing/2014/main" id="{D5C223A5-6B03-4FDD-8714-07CA40D83C2F}"/>
+              </a:ext>
+            </a:extLst>
+          </p:cNvPr>
+          <p:cNvPicPr>
+            <a:picLocks noChangeAspect="1"/>
+          </p:cNvPicPr>
+          <p:nvPr/>
+        </p:nvPicPr>
+        <p:blipFill>
+          <a:blip r:embed="rId4"/>
+          <a:stretch>
+            <a:fillRect/>
+          </a:stretch>
+        </p:blipFill>
+        <p:spPr>
+          <a:xfrm>
+            <a:off x="1947570" y="1035821"/>
+            <a:ext cx="7977262" cy="4786357"/>
+          </a:xfrm>
+          <a:prstGeom prst="rect">
+            <a:avLst/>
+          </a:prstGeom>
+        </p:spPr>
+      </p:pic>
     </p:spTree>
     <p:extLst>
       <p:ext uri="{BB962C8B-B14F-4D97-AF65-F5344CB8AC3E}">
